--- a/reference_content/Slides/regression_trees.pptx
+++ b/reference_content/Slides/regression_trees.pptx
@@ -3737,6 +3737,18 @@
               <a:t>Tree pruning. </a:t>
             </a:r>
           </a:p>
+          <a:p>
+            <a:pPr lvl="1"/>
+            <a:r>
+              <a:rPr lang="en-US" dirty="0"/>
+              <a:t>Depending on time, possibly </a:t>
+            </a:r>
+            <a:r>
+              <a:rPr lang="en-US"/>
+              <a:t>stochastic gradient descent. </a:t>
+            </a:r>
+            <a:endParaRPr lang="en-US" dirty="0"/>
+          </a:p>
         </p:txBody>
       </p:sp>
     </p:spTree>
@@ -4125,15 +4137,7 @@
             <a:pPr lvl="1"/>
             <a:r>
               <a:rPr lang="en-US" dirty="0"/>
-              <a:t>Both growing (adding complexity to </a:t>
-            </a:r>
-            <a:r>
-              <a:rPr lang="en-US"/>
-              <a:t>the model) and </a:t>
-            </a:r>
-            <a:r>
-              <a:rPr lang="en-US" dirty="0"/>
-              <a:t>being wrong will negatively impact the cost. </a:t>
+              <a:t>Both growing (adding complexity to the model) and being wrong will negatively impact the cost. </a:t>
             </a:r>
           </a:p>
         </p:txBody>

--- a/reference_content/Slides/regression_trees.pptx
+++ b/reference_content/Slides/regression_trees.pptx
@@ -3741,13 +3741,8 @@
             <a:pPr lvl="1"/>
             <a:r>
               <a:rPr lang="en-US" dirty="0"/>
-              <a:t>Depending on time, possibly </a:t>
-            </a:r>
-            <a:r>
-              <a:rPr lang="en-US"/>
-              <a:t>stochastic gradient descent. </a:t>
-            </a:r>
-            <a:endParaRPr lang="en-US" dirty="0"/>
+              <a:t>Depending on time, possibly stochastic gradient descent. </a:t>
+            </a:r>
           </a:p>
         </p:txBody>
       </p:sp>
